--- a/Introduccion curso.pptx
+++ b/Introduccion curso.pptx
@@ -144,6 +144,7 @@
 <p1510:revInfo xmlns:a="http://schemas.openxmlformats.org/drawingml/2006/main" xmlns:r="http://schemas.openxmlformats.org/officeDocument/2006/relationships" xmlns:p1510="http://schemas.microsoft.com/office/powerpoint/2015/10/main">
   <p1510:revLst>
     <p1510:client id="{03B2E014-C985-43E3-BEA2-6EB090566A50}" v="164" dt="2023-02-20T14:02:54.009"/>
+    <p1510:client id="{A411663D-F272-4434-BF6D-849F2045D454}" v="10" dt="2023-02-21T09:26:52.368"/>
   </p1510:revLst>
 </p1510:revInfo>
 </file>
@@ -2030,7 +2031,7 @@
   <pc:docChgLst>
     <pc:chgData name="Roberto Tornero Costa" userId="fd94e1aa-1f26-41db-aa9d-b324a7bc3d40" providerId="ADAL" clId="{A411663D-F272-4434-BF6D-849F2045D454}"/>
     <pc:docChg chg="custSel addSld delSld modSld">
-      <pc:chgData name="Roberto Tornero Costa" userId="fd94e1aa-1f26-41db-aa9d-b324a7bc3d40" providerId="ADAL" clId="{A411663D-F272-4434-BF6D-849F2045D454}" dt="2023-02-20T16:27:16.752" v="726" actId="27636"/>
+      <pc:chgData name="Roberto Tornero Costa" userId="fd94e1aa-1f26-41db-aa9d-b324a7bc3d40" providerId="ADAL" clId="{A411663D-F272-4434-BF6D-849F2045D454}" dt="2023-02-21T09:26:52.368" v="747"/>
       <pc:docMkLst>
         <pc:docMk/>
       </pc:docMkLst>
@@ -2171,6 +2172,29 @@
             <pc:docMk/>
             <pc:sldMk cId="2982257426" sldId="280"/>
             <ac:graphicFrameMk id="4" creationId="{B68062AB-4125-2AAC-94B4-B350A5766D12}"/>
+          </ac:graphicFrameMkLst>
+        </pc:graphicFrameChg>
+      </pc:sldChg>
+      <pc:sldChg chg="addSp delSp modSp mod modAnim">
+        <pc:chgData name="Roberto Tornero Costa" userId="fd94e1aa-1f26-41db-aa9d-b324a7bc3d40" providerId="ADAL" clId="{A411663D-F272-4434-BF6D-849F2045D454}" dt="2023-02-21T09:26:52.368" v="747"/>
+        <pc:sldMkLst>
+          <pc:docMk/>
+          <pc:sldMk cId="3892528908" sldId="285"/>
+        </pc:sldMkLst>
+        <pc:graphicFrameChg chg="add mod modGraphic">
+          <ac:chgData name="Roberto Tornero Costa" userId="fd94e1aa-1f26-41db-aa9d-b324a7bc3d40" providerId="ADAL" clId="{A411663D-F272-4434-BF6D-849F2045D454}" dt="2023-02-21T09:26:42.777" v="746" actId="798"/>
+          <ac:graphicFrameMkLst>
+            <pc:docMk/>
+            <pc:sldMk cId="3892528908" sldId="285"/>
+            <ac:graphicFrameMk id="2" creationId="{3050AEFE-DB3E-C00A-9545-3719CF9490B0}"/>
+          </ac:graphicFrameMkLst>
+        </pc:graphicFrameChg>
+        <pc:graphicFrameChg chg="add del mod">
+          <ac:chgData name="Roberto Tornero Costa" userId="fd94e1aa-1f26-41db-aa9d-b324a7bc3d40" providerId="ADAL" clId="{A411663D-F272-4434-BF6D-849F2045D454}" dt="2023-02-21T09:25:09.281" v="735"/>
+          <ac:graphicFrameMkLst>
+            <pc:docMk/>
+            <pc:sldMk cId="3892528908" sldId="285"/>
+            <ac:graphicFrameMk id="3" creationId="{9ED1BA0A-E936-D88A-F36E-9039EF42927B}"/>
           </ac:graphicFrameMkLst>
         </pc:graphicFrameChg>
       </pc:sldChg>
@@ -2346,7 +2370,7 @@
           <a:p>
             <a:fld id="{C8682FEF-35BA-4715-B2E6-39975ACA95DB}" type="datetimeFigureOut">
               <a:rPr lang="es-ES" smtClean="0"/>
-              <a:t>20/02/2023</a:t>
+              <a:t>21/02/2023</a:t>
             </a:fld>
             <a:endParaRPr lang="es-ES"/>
           </a:p>
@@ -4406,7 +4430,7 @@
           <a:p>
             <a:fld id="{F56A4DA8-C7E3-4C59-B48B-0FCE19D7E370}" type="datetimeFigureOut">
               <a:rPr lang="es-ES" smtClean="0"/>
-              <a:t>20/02/2023</a:t>
+              <a:t>21/02/2023</a:t>
             </a:fld>
             <a:endParaRPr lang="es-ES"/>
           </a:p>
@@ -4604,7 +4628,7 @@
           <a:p>
             <a:fld id="{F56A4DA8-C7E3-4C59-B48B-0FCE19D7E370}" type="datetimeFigureOut">
               <a:rPr lang="es-ES" smtClean="0"/>
-              <a:t>20/02/2023</a:t>
+              <a:t>21/02/2023</a:t>
             </a:fld>
             <a:endParaRPr lang="es-ES"/>
           </a:p>
@@ -4812,7 +4836,7 @@
           <a:p>
             <a:fld id="{F56A4DA8-C7E3-4C59-B48B-0FCE19D7E370}" type="datetimeFigureOut">
               <a:rPr lang="es-ES" smtClean="0"/>
-              <a:t>20/02/2023</a:t>
+              <a:t>21/02/2023</a:t>
             </a:fld>
             <a:endParaRPr lang="es-ES"/>
           </a:p>
@@ -5010,7 +5034,7 @@
           <a:p>
             <a:fld id="{F56A4DA8-C7E3-4C59-B48B-0FCE19D7E370}" type="datetimeFigureOut">
               <a:rPr lang="es-ES" smtClean="0"/>
-              <a:t>20/02/2023</a:t>
+              <a:t>21/02/2023</a:t>
             </a:fld>
             <a:endParaRPr lang="es-ES"/>
           </a:p>
@@ -5285,7 +5309,7 @@
           <a:p>
             <a:fld id="{F56A4DA8-C7E3-4C59-B48B-0FCE19D7E370}" type="datetimeFigureOut">
               <a:rPr lang="es-ES" smtClean="0"/>
-              <a:t>20/02/2023</a:t>
+              <a:t>21/02/2023</a:t>
             </a:fld>
             <a:endParaRPr lang="es-ES"/>
           </a:p>
@@ -5550,7 +5574,7 @@
           <a:p>
             <a:fld id="{F56A4DA8-C7E3-4C59-B48B-0FCE19D7E370}" type="datetimeFigureOut">
               <a:rPr lang="es-ES" smtClean="0"/>
-              <a:t>20/02/2023</a:t>
+              <a:t>21/02/2023</a:t>
             </a:fld>
             <a:endParaRPr lang="es-ES"/>
           </a:p>
@@ -5962,7 +5986,7 @@
           <a:p>
             <a:fld id="{F56A4DA8-C7E3-4C59-B48B-0FCE19D7E370}" type="datetimeFigureOut">
               <a:rPr lang="es-ES" smtClean="0"/>
-              <a:t>20/02/2023</a:t>
+              <a:t>21/02/2023</a:t>
             </a:fld>
             <a:endParaRPr lang="es-ES"/>
           </a:p>
@@ -6103,7 +6127,7 @@
           <a:p>
             <a:fld id="{F56A4DA8-C7E3-4C59-B48B-0FCE19D7E370}" type="datetimeFigureOut">
               <a:rPr lang="es-ES" smtClean="0"/>
-              <a:t>20/02/2023</a:t>
+              <a:t>21/02/2023</a:t>
             </a:fld>
             <a:endParaRPr lang="es-ES"/>
           </a:p>
@@ -6216,7 +6240,7 @@
           <a:p>
             <a:fld id="{F56A4DA8-C7E3-4C59-B48B-0FCE19D7E370}" type="datetimeFigureOut">
               <a:rPr lang="es-ES" smtClean="0"/>
-              <a:t>20/02/2023</a:t>
+              <a:t>21/02/2023</a:t>
             </a:fld>
             <a:endParaRPr lang="es-ES"/>
           </a:p>
@@ -6527,7 +6551,7 @@
           <a:p>
             <a:fld id="{F56A4DA8-C7E3-4C59-B48B-0FCE19D7E370}" type="datetimeFigureOut">
               <a:rPr lang="es-ES" smtClean="0"/>
-              <a:t>20/02/2023</a:t>
+              <a:t>21/02/2023</a:t>
             </a:fld>
             <a:endParaRPr lang="es-ES"/>
           </a:p>
@@ -6815,7 +6839,7 @@
           <a:p>
             <a:fld id="{F56A4DA8-C7E3-4C59-B48B-0FCE19D7E370}" type="datetimeFigureOut">
               <a:rPr lang="es-ES" smtClean="0"/>
-              <a:t>20/02/2023</a:t>
+              <a:t>21/02/2023</a:t>
             </a:fld>
             <a:endParaRPr lang="es-ES"/>
           </a:p>
@@ -7056,7 +7080,7 @@
           <a:p>
             <a:fld id="{F56A4DA8-C7E3-4C59-B48B-0FCE19D7E370}" type="datetimeFigureOut">
               <a:rPr lang="es-ES" smtClean="0"/>
-              <a:t>20/02/2023</a:t>
+              <a:t>21/02/2023</a:t>
             </a:fld>
             <a:endParaRPr lang="es-ES"/>
           </a:p>
@@ -9149,9 +9173,22 @@
           <a:p>
             <a:pPr algn="l"/>
             <a:r>
-              <a:rPr lang="es-ES" sz="5600"/>
-              <a:t>Business Intelligence con PowerBI</a:t>
-            </a:r>
+              <a:rPr lang="es-ES" sz="5600" dirty="0"/>
+              <a:t>Business </a:t>
+            </a:r>
+            <a:r>
+              <a:rPr lang="es-ES" sz="5600" dirty="0" err="1"/>
+              <a:t>Intelligence</a:t>
+            </a:r>
+            <a:r>
+              <a:rPr lang="es-ES" sz="5600" dirty="0"/>
+              <a:t> con </a:t>
+            </a:r>
+            <a:r>
+              <a:rPr lang="es-ES" sz="5600" dirty="0" err="1"/>
+              <a:t>PowerBI</a:t>
+            </a:r>
+            <a:endParaRPr lang="es-ES" sz="5600" dirty="0"/>
           </a:p>
         </p:txBody>
       </p:sp>
@@ -11878,6 +11915,661 @@
           </a:extLst>
         </p:spPr>
       </p:pic>
+      <p:graphicFrame>
+        <p:nvGraphicFramePr>
+          <p:cNvPr id="2" name="Table 1">
+            <a:extLst>
+              <a:ext uri="{FF2B5EF4-FFF2-40B4-BE49-F238E27FC236}">
+                <a16:creationId xmlns:a16="http://schemas.microsoft.com/office/drawing/2014/main" id="{3050AEFE-DB3E-C00A-9545-3719CF9490B0}"/>
+              </a:ext>
+            </a:extLst>
+          </p:cNvPr>
+          <p:cNvGraphicFramePr>
+            <a:graphicFrameLocks noGrp="1"/>
+          </p:cNvGraphicFramePr>
+          <p:nvPr>
+            <p:extLst>
+              <p:ext uri="{D42A27DB-BD31-4B8C-83A1-F6EECF244321}">
+                <p14:modId xmlns:p14="http://schemas.microsoft.com/office/powerpoint/2010/main" val="732131609"/>
+              </p:ext>
+            </p:extLst>
+          </p:nvPr>
+        </p:nvGraphicFramePr>
+        <p:xfrm>
+          <a:off x="6780270" y="2771774"/>
+          <a:ext cx="4842165" cy="2825752"/>
+        </p:xfrm>
+        <a:graphic>
+          <a:graphicData uri="http://schemas.openxmlformats.org/drawingml/2006/table">
+            <a:tbl>
+              <a:tblPr>
+                <a:tableStyleId>{B301B821-A1FF-4177-AEE7-76D212191A09}</a:tableStyleId>
+              </a:tblPr>
+              <a:tblGrid>
+                <a:gridCol w="968433">
+                  <a:extLst>
+                    <a:ext uri="{9D8B030D-6E8A-4147-A177-3AD203B41FA5}">
+                      <a16:colId xmlns:a16="http://schemas.microsoft.com/office/drawing/2014/main" val="1739924054"/>
+                    </a:ext>
+                  </a:extLst>
+                </a:gridCol>
+                <a:gridCol w="968433">
+                  <a:extLst>
+                    <a:ext uri="{9D8B030D-6E8A-4147-A177-3AD203B41FA5}">
+                      <a16:colId xmlns:a16="http://schemas.microsoft.com/office/drawing/2014/main" val="2459631415"/>
+                    </a:ext>
+                  </a:extLst>
+                </a:gridCol>
+                <a:gridCol w="968433">
+                  <a:extLst>
+                    <a:ext uri="{9D8B030D-6E8A-4147-A177-3AD203B41FA5}">
+                      <a16:colId xmlns:a16="http://schemas.microsoft.com/office/drawing/2014/main" val="4286213767"/>
+                    </a:ext>
+                  </a:extLst>
+                </a:gridCol>
+                <a:gridCol w="968433">
+                  <a:extLst>
+                    <a:ext uri="{9D8B030D-6E8A-4147-A177-3AD203B41FA5}">
+                      <a16:colId xmlns:a16="http://schemas.microsoft.com/office/drawing/2014/main" val="4270009907"/>
+                    </a:ext>
+                  </a:extLst>
+                </a:gridCol>
+                <a:gridCol w="968433">
+                  <a:extLst>
+                    <a:ext uri="{9D8B030D-6E8A-4147-A177-3AD203B41FA5}">
+                      <a16:colId xmlns:a16="http://schemas.microsoft.com/office/drawing/2014/main" val="3957258469"/>
+                    </a:ext>
+                  </a:extLst>
+                </a:gridCol>
+              </a:tblGrid>
+              <a:tr h="706438">
+                <a:tc rowSpan="2">
+                  <a:txBody>
+                    <a:bodyPr/>
+                    <a:lstStyle/>
+                    <a:p>
+                      <a:pPr marL="0" marR="0" lvl="0" indent="0" algn="ctr" defTabSz="914400" rtl="0" eaLnBrk="1" fontAlgn="b" latinLnBrk="0" hangingPunct="1">
+                        <a:lnSpc>
+                          <a:spcPct val="100000"/>
+                        </a:lnSpc>
+                        <a:spcBef>
+                          <a:spcPts val="0"/>
+                        </a:spcBef>
+                        <a:spcAft>
+                          <a:spcPts val="0"/>
+                        </a:spcAft>
+                        <a:buClrTx/>
+                        <a:buSzTx/>
+                        <a:buFontTx/>
+                        <a:buNone/>
+                        <a:tabLst/>
+                        <a:defRPr/>
+                      </a:pPr>
+                      <a:r>
+                        <a:rPr lang="es-ES" sz="1100" u="none" strike="noStrike" dirty="0" err="1">
+                          <a:effectLst/>
+                        </a:rPr>
+                        <a:t>Smoker</a:t>
+                      </a:r>
+                      <a:endParaRPr lang="es-ES" sz="1100" b="0" i="0" u="none" strike="noStrike" dirty="0">
+                        <a:solidFill>
+                          <a:srgbClr val="000000"/>
+                        </a:solidFill>
+                        <a:effectLst/>
+                        <a:latin typeface="Calibri" panose="020F0502020204030204" pitchFamily="34" charset="0"/>
+                      </a:endParaRPr>
+                    </a:p>
+                  </a:txBody>
+                  <a:tcPr marL="7620" marR="7620" marT="7620" marB="0" anchor="ctr">
+                    <a:lnR w="12700" cap="flat" cmpd="sng" algn="ctr">
+                      <a:solidFill>
+                        <a:schemeClr val="accent1">
+                          <a:lumMod val="60000"/>
+                          <a:lumOff val="40000"/>
+                        </a:schemeClr>
+                      </a:solidFill>
+                      <a:prstDash val="solid"/>
+                      <a:round/>
+                      <a:headEnd type="none" w="med" len="med"/>
+                      <a:tailEnd type="none" w="med" len="med"/>
+                    </a:lnR>
+                  </a:tcPr>
+                </a:tc>
+                <a:tc gridSpan="4">
+                  <a:txBody>
+                    <a:bodyPr/>
+                    <a:lstStyle/>
+                    <a:p>
+                      <a:pPr algn="ctr" fontAlgn="b"/>
+                      <a:r>
+                        <a:rPr lang="es-ES" sz="1100" u="none" strike="noStrike" dirty="0">
+                          <a:effectLst/>
+                        </a:rPr>
+                        <a:t>Day</a:t>
+                      </a:r>
+                      <a:endParaRPr lang="es-ES" sz="1100" b="0" i="0" u="none" strike="noStrike" dirty="0">
+                        <a:solidFill>
+                          <a:srgbClr val="000000"/>
+                        </a:solidFill>
+                        <a:effectLst/>
+                        <a:latin typeface="Calibri" panose="020F0502020204030204" pitchFamily="34" charset="0"/>
+                      </a:endParaRPr>
+                    </a:p>
+                  </a:txBody>
+                  <a:tcPr marL="7620" marR="7620" marT="7620" marB="0" anchor="ctr">
+                    <a:lnL w="12700" cap="flat" cmpd="sng" algn="ctr">
+                      <a:solidFill>
+                        <a:schemeClr val="accent1">
+                          <a:lumMod val="60000"/>
+                          <a:lumOff val="40000"/>
+                        </a:schemeClr>
+                      </a:solidFill>
+                      <a:prstDash val="solid"/>
+                      <a:round/>
+                      <a:headEnd type="none" w="med" len="med"/>
+                      <a:tailEnd type="none" w="med" len="med"/>
+                    </a:lnL>
+                  </a:tcPr>
+                </a:tc>
+                <a:tc hMerge="1">
+                  <a:txBody>
+                    <a:bodyPr/>
+                    <a:lstStyle/>
+                    <a:p>
+                      <a:pPr algn="l" fontAlgn="b"/>
+                      <a:endParaRPr lang="es-ES" sz="1100" b="0" i="0" u="none" strike="noStrike">
+                        <a:solidFill>
+                          <a:srgbClr val="000000"/>
+                        </a:solidFill>
+                        <a:effectLst/>
+                        <a:latin typeface="Calibri" panose="020F0502020204030204" pitchFamily="34" charset="0"/>
+                      </a:endParaRPr>
+                    </a:p>
+                  </a:txBody>
+                  <a:tcPr marL="7620" marR="7620" marT="7620" marB="0" anchor="b"/>
+                </a:tc>
+                <a:tc hMerge="1">
+                  <a:txBody>
+                    <a:bodyPr/>
+                    <a:lstStyle/>
+                    <a:p>
+                      <a:pPr algn="l" fontAlgn="b"/>
+                      <a:endParaRPr lang="es-ES" sz="1100" b="0" i="0" u="none" strike="noStrike">
+                        <a:solidFill>
+                          <a:srgbClr val="000000"/>
+                        </a:solidFill>
+                        <a:effectLst/>
+                        <a:latin typeface="Calibri" panose="020F0502020204030204" pitchFamily="34" charset="0"/>
+                      </a:endParaRPr>
+                    </a:p>
+                  </a:txBody>
+                  <a:tcPr marL="7620" marR="7620" marT="7620" marB="0" anchor="b"/>
+                </a:tc>
+                <a:tc hMerge="1">
+                  <a:txBody>
+                    <a:bodyPr/>
+                    <a:lstStyle/>
+                    <a:p>
+                      <a:pPr algn="l" fontAlgn="b"/>
+                      <a:endParaRPr lang="es-ES" sz="1100" b="0" i="0" u="none" strike="noStrike" dirty="0">
+                        <a:solidFill>
+                          <a:srgbClr val="000000"/>
+                        </a:solidFill>
+                        <a:effectLst/>
+                        <a:latin typeface="Calibri" panose="020F0502020204030204" pitchFamily="34" charset="0"/>
+                      </a:endParaRPr>
+                    </a:p>
+                  </a:txBody>
+                  <a:tcPr marL="7620" marR="7620" marT="7620" marB="0" anchor="b"/>
+                </a:tc>
+                <a:extLst>
+                  <a:ext uri="{0D108BD9-81ED-4DB2-BD59-A6C34878D82A}">
+                    <a16:rowId xmlns:a16="http://schemas.microsoft.com/office/drawing/2014/main" val="2174364759"/>
+                  </a:ext>
+                </a:extLst>
+              </a:tr>
+              <a:tr h="706438">
+                <a:tc vMerge="1">
+                  <a:txBody>
+                    <a:bodyPr/>
+                    <a:lstStyle/>
+                    <a:p>
+                      <a:pPr algn="ctr" fontAlgn="b"/>
+                      <a:endParaRPr lang="es-ES" sz="1100" b="0" i="0" u="none" strike="noStrike" dirty="0">
+                        <a:solidFill>
+                          <a:srgbClr val="000000"/>
+                        </a:solidFill>
+                        <a:effectLst/>
+                        <a:latin typeface="Calibri" panose="020F0502020204030204" pitchFamily="34" charset="0"/>
+                      </a:endParaRPr>
+                    </a:p>
+                  </a:txBody>
+                  <a:tcPr marL="7620" marR="7620" marT="7620" marB="0" anchor="ctr">
+                    <a:lnR w="12700" cap="flat" cmpd="sng" algn="ctr">
+                      <a:solidFill>
+                        <a:schemeClr val="accent1">
+                          <a:lumMod val="60000"/>
+                          <a:lumOff val="40000"/>
+                        </a:schemeClr>
+                      </a:solidFill>
+                      <a:prstDash val="solid"/>
+                      <a:round/>
+                      <a:headEnd type="none" w="med" len="med"/>
+                      <a:tailEnd type="none" w="med" len="med"/>
+                    </a:lnR>
+                  </a:tcPr>
+                </a:tc>
+                <a:tc>
+                  <a:txBody>
+                    <a:bodyPr/>
+                    <a:lstStyle/>
+                    <a:p>
+                      <a:pPr algn="ctr" fontAlgn="b"/>
+                      <a:r>
+                        <a:rPr lang="es-ES" sz="1100" u="none" strike="noStrike" dirty="0" err="1">
+                          <a:effectLst/>
+                        </a:rPr>
+                        <a:t>Thursday</a:t>
+                      </a:r>
+                      <a:endParaRPr lang="es-ES" sz="1100" b="0" i="0" u="none" strike="noStrike" dirty="0">
+                        <a:solidFill>
+                          <a:srgbClr val="000000"/>
+                        </a:solidFill>
+                        <a:effectLst/>
+                        <a:latin typeface="Calibri" panose="020F0502020204030204" pitchFamily="34" charset="0"/>
+                      </a:endParaRPr>
+                    </a:p>
+                  </a:txBody>
+                  <a:tcPr marL="7620" marR="7620" marT="7620" marB="0" anchor="ctr">
+                    <a:lnL w="12700" cap="flat" cmpd="sng" algn="ctr">
+                      <a:solidFill>
+                        <a:schemeClr val="accent1">
+                          <a:lumMod val="60000"/>
+                          <a:lumOff val="40000"/>
+                        </a:schemeClr>
+                      </a:solidFill>
+                      <a:prstDash val="solid"/>
+                      <a:round/>
+                      <a:headEnd type="none" w="med" len="med"/>
+                      <a:tailEnd type="none" w="med" len="med"/>
+                    </a:lnL>
+                  </a:tcPr>
+                </a:tc>
+                <a:tc>
+                  <a:txBody>
+                    <a:bodyPr/>
+                    <a:lstStyle/>
+                    <a:p>
+                      <a:pPr algn="ctr" fontAlgn="b"/>
+                      <a:r>
+                        <a:rPr lang="es-ES" sz="1100" u="none" strike="noStrike" dirty="0">
+                          <a:effectLst/>
+                        </a:rPr>
+                        <a:t>Friday</a:t>
+                      </a:r>
+                      <a:endParaRPr lang="es-ES" sz="1100" b="0" i="0" u="none" strike="noStrike" dirty="0">
+                        <a:solidFill>
+                          <a:srgbClr val="000000"/>
+                        </a:solidFill>
+                        <a:effectLst/>
+                        <a:latin typeface="Calibri" panose="020F0502020204030204" pitchFamily="34" charset="0"/>
+                      </a:endParaRPr>
+                    </a:p>
+                  </a:txBody>
+                  <a:tcPr marL="7620" marR="7620" marT="7620" marB="0" anchor="ctr"/>
+                </a:tc>
+                <a:tc>
+                  <a:txBody>
+                    <a:bodyPr/>
+                    <a:lstStyle/>
+                    <a:p>
+                      <a:pPr algn="ctr" fontAlgn="b"/>
+                      <a:r>
+                        <a:rPr lang="es-ES" sz="1100" u="none" strike="noStrike">
+                          <a:effectLst/>
+                        </a:rPr>
+                        <a:t>Saturday</a:t>
+                      </a:r>
+                      <a:endParaRPr lang="es-ES" sz="1100" b="0" i="0" u="none" strike="noStrike">
+                        <a:solidFill>
+                          <a:srgbClr val="000000"/>
+                        </a:solidFill>
+                        <a:effectLst/>
+                        <a:latin typeface="Calibri" panose="020F0502020204030204" pitchFamily="34" charset="0"/>
+                      </a:endParaRPr>
+                    </a:p>
+                  </a:txBody>
+                  <a:tcPr marL="7620" marR="7620" marT="7620" marB="0" anchor="ctr"/>
+                </a:tc>
+                <a:tc>
+                  <a:txBody>
+                    <a:bodyPr/>
+                    <a:lstStyle/>
+                    <a:p>
+                      <a:pPr algn="ctr" fontAlgn="b"/>
+                      <a:r>
+                        <a:rPr lang="es-ES" sz="1100" u="none" strike="noStrike">
+                          <a:effectLst/>
+                        </a:rPr>
+                        <a:t>Sunday</a:t>
+                      </a:r>
+                      <a:endParaRPr lang="es-ES" sz="1100" b="0" i="0" u="none" strike="noStrike">
+                        <a:solidFill>
+                          <a:srgbClr val="000000"/>
+                        </a:solidFill>
+                        <a:effectLst/>
+                        <a:latin typeface="Calibri" panose="020F0502020204030204" pitchFamily="34" charset="0"/>
+                      </a:endParaRPr>
+                    </a:p>
+                  </a:txBody>
+                  <a:tcPr marL="7620" marR="7620" marT="7620" marB="0" anchor="ctr"/>
+                </a:tc>
+                <a:extLst>
+                  <a:ext uri="{0D108BD9-81ED-4DB2-BD59-A6C34878D82A}">
+                    <a16:rowId xmlns:a16="http://schemas.microsoft.com/office/drawing/2014/main" val="720797673"/>
+                  </a:ext>
+                </a:extLst>
+              </a:tr>
+              <a:tr h="706438">
+                <a:tc>
+                  <a:txBody>
+                    <a:bodyPr/>
+                    <a:lstStyle/>
+                    <a:p>
+                      <a:pPr algn="ctr" fontAlgn="b"/>
+                      <a:r>
+                        <a:rPr lang="es-ES" sz="1100" u="none" strike="noStrike" dirty="0">
+                          <a:effectLst/>
+                        </a:rPr>
+                        <a:t>No</a:t>
+                      </a:r>
+                      <a:endParaRPr lang="es-ES" sz="1100" b="0" i="0" u="none" strike="noStrike" dirty="0">
+                        <a:solidFill>
+                          <a:srgbClr val="000000"/>
+                        </a:solidFill>
+                        <a:effectLst/>
+                        <a:latin typeface="Calibri" panose="020F0502020204030204" pitchFamily="34" charset="0"/>
+                      </a:endParaRPr>
+                    </a:p>
+                  </a:txBody>
+                  <a:tcPr marL="7620" marR="7620" marT="7620" marB="0" anchor="ctr">
+                    <a:lnR w="12700" cap="flat" cmpd="sng" algn="ctr">
+                      <a:solidFill>
+                        <a:schemeClr val="accent1">
+                          <a:lumMod val="60000"/>
+                          <a:lumOff val="40000"/>
+                        </a:schemeClr>
+                      </a:solidFill>
+                      <a:prstDash val="solid"/>
+                      <a:round/>
+                      <a:headEnd type="none" w="med" len="med"/>
+                      <a:tailEnd type="none" w="med" len="med"/>
+                    </a:lnR>
+                  </a:tcPr>
+                </a:tc>
+                <a:tc>
+                  <a:txBody>
+                    <a:bodyPr/>
+                    <a:lstStyle/>
+                    <a:p>
+                      <a:pPr algn="ctr" fontAlgn="b"/>
+                      <a:r>
+                        <a:rPr lang="es-ES" sz="1100" u="none" strike="noStrike">
+                          <a:effectLst/>
+                        </a:rPr>
+                        <a:t>15</a:t>
+                      </a:r>
+                      <a:endParaRPr lang="es-ES" sz="1100" b="0" i="0" u="none" strike="noStrike">
+                        <a:solidFill>
+                          <a:srgbClr val="000000"/>
+                        </a:solidFill>
+                        <a:effectLst/>
+                        <a:latin typeface="Calibri" panose="020F0502020204030204" pitchFamily="34" charset="0"/>
+                      </a:endParaRPr>
+                    </a:p>
+                  </a:txBody>
+                  <a:tcPr marL="7620" marR="7620" marT="7620" marB="0" anchor="ctr">
+                    <a:lnL w="12700" cap="flat" cmpd="sng" algn="ctr">
+                      <a:solidFill>
+                        <a:schemeClr val="accent1">
+                          <a:lumMod val="60000"/>
+                          <a:lumOff val="40000"/>
+                        </a:schemeClr>
+                      </a:solidFill>
+                      <a:prstDash val="solid"/>
+                      <a:round/>
+                      <a:headEnd type="none" w="med" len="med"/>
+                      <a:tailEnd type="none" w="med" len="med"/>
+                    </a:lnL>
+                  </a:tcPr>
+                </a:tc>
+                <a:tc>
+                  <a:txBody>
+                    <a:bodyPr/>
+                    <a:lstStyle/>
+                    <a:p>
+                      <a:pPr algn="ctr" fontAlgn="b"/>
+                      <a:r>
+                        <a:rPr lang="es-ES" sz="1100" u="none" strike="noStrike">
+                          <a:effectLst/>
+                        </a:rPr>
+                        <a:t>3</a:t>
+                      </a:r>
+                      <a:endParaRPr lang="es-ES" sz="1100" b="0" i="0" u="none" strike="noStrike">
+                        <a:solidFill>
+                          <a:srgbClr val="000000"/>
+                        </a:solidFill>
+                        <a:effectLst/>
+                        <a:latin typeface="Calibri" panose="020F0502020204030204" pitchFamily="34" charset="0"/>
+                      </a:endParaRPr>
+                    </a:p>
+                  </a:txBody>
+                  <a:tcPr marL="7620" marR="7620" marT="7620" marB="0" anchor="ctr"/>
+                </a:tc>
+                <a:tc>
+                  <a:txBody>
+                    <a:bodyPr/>
+                    <a:lstStyle/>
+                    <a:p>
+                      <a:pPr algn="ctr" fontAlgn="b"/>
+                      <a:r>
+                        <a:rPr lang="es-ES" sz="1100" u="none" strike="noStrike" dirty="0">
+                          <a:effectLst/>
+                        </a:rPr>
+                        <a:t>18</a:t>
+                      </a:r>
+                      <a:endParaRPr lang="es-ES" sz="1100" b="0" i="0" u="none" strike="noStrike" dirty="0">
+                        <a:solidFill>
+                          <a:srgbClr val="000000"/>
+                        </a:solidFill>
+                        <a:effectLst/>
+                        <a:latin typeface="Calibri" panose="020F0502020204030204" pitchFamily="34" charset="0"/>
+                      </a:endParaRPr>
+                    </a:p>
+                  </a:txBody>
+                  <a:tcPr marL="7620" marR="7620" marT="7620" marB="0" anchor="ctr"/>
+                </a:tc>
+                <a:tc>
+                  <a:txBody>
+                    <a:bodyPr/>
+                    <a:lstStyle/>
+                    <a:p>
+                      <a:pPr algn="ctr" fontAlgn="b"/>
+                      <a:r>
+                        <a:rPr lang="es-ES" sz="1100" u="none" strike="noStrike">
+                          <a:effectLst/>
+                        </a:rPr>
+                        <a:t>20</a:t>
+                      </a:r>
+                      <a:endParaRPr lang="es-ES" sz="1100" b="0" i="0" u="none" strike="noStrike">
+                        <a:solidFill>
+                          <a:srgbClr val="000000"/>
+                        </a:solidFill>
+                        <a:effectLst/>
+                        <a:latin typeface="Calibri" panose="020F0502020204030204" pitchFamily="34" charset="0"/>
+                      </a:endParaRPr>
+                    </a:p>
+                  </a:txBody>
+                  <a:tcPr marL="7620" marR="7620" marT="7620" marB="0" anchor="ctr"/>
+                </a:tc>
+                <a:extLst>
+                  <a:ext uri="{0D108BD9-81ED-4DB2-BD59-A6C34878D82A}">
+                    <a16:rowId xmlns:a16="http://schemas.microsoft.com/office/drawing/2014/main" val="1468983023"/>
+                  </a:ext>
+                </a:extLst>
+              </a:tr>
+              <a:tr h="706438">
+                <a:tc>
+                  <a:txBody>
+                    <a:bodyPr/>
+                    <a:lstStyle/>
+                    <a:p>
+                      <a:pPr algn="ctr" fontAlgn="b"/>
+                      <a:r>
+                        <a:rPr lang="es-ES" sz="1100" u="none" strike="noStrike" dirty="0">
+                          <a:effectLst/>
+                        </a:rPr>
+                        <a:t>Yes</a:t>
+                      </a:r>
+                      <a:endParaRPr lang="es-ES" sz="1100" b="0" i="0" u="none" strike="noStrike" dirty="0">
+                        <a:solidFill>
+                          <a:srgbClr val="000000"/>
+                        </a:solidFill>
+                        <a:effectLst/>
+                        <a:latin typeface="Calibri" panose="020F0502020204030204" pitchFamily="34" charset="0"/>
+                      </a:endParaRPr>
+                    </a:p>
+                  </a:txBody>
+                  <a:tcPr marL="7620" marR="7620" marT="7620" marB="0" anchor="ctr">
+                    <a:lnR w="12700" cap="flat" cmpd="sng" algn="ctr">
+                      <a:solidFill>
+                        <a:schemeClr val="accent1">
+                          <a:lumMod val="60000"/>
+                          <a:lumOff val="40000"/>
+                        </a:schemeClr>
+                      </a:solidFill>
+                      <a:prstDash val="solid"/>
+                      <a:round/>
+                      <a:headEnd type="none" w="med" len="med"/>
+                      <a:tailEnd type="none" w="med" len="med"/>
+                    </a:lnR>
+                  </a:tcPr>
+                </a:tc>
+                <a:tc>
+                  <a:txBody>
+                    <a:bodyPr/>
+                    <a:lstStyle/>
+                    <a:p>
+                      <a:pPr algn="ctr" fontAlgn="b"/>
+                      <a:r>
+                        <a:rPr lang="es-ES" sz="1100" u="none" strike="noStrike" dirty="0">
+                          <a:effectLst/>
+                        </a:rPr>
+                        <a:t>10</a:t>
+                      </a:r>
+                      <a:endParaRPr lang="es-ES" sz="1100" b="0" i="0" u="none" strike="noStrike" dirty="0">
+                        <a:solidFill>
+                          <a:srgbClr val="000000"/>
+                        </a:solidFill>
+                        <a:effectLst/>
+                        <a:latin typeface="Calibri" panose="020F0502020204030204" pitchFamily="34" charset="0"/>
+                      </a:endParaRPr>
+                    </a:p>
+                  </a:txBody>
+                  <a:tcPr marL="7620" marR="7620" marT="7620" marB="0" anchor="ctr">
+                    <a:lnL w="12700" cap="flat" cmpd="sng" algn="ctr">
+                      <a:solidFill>
+                        <a:schemeClr val="accent1">
+                          <a:lumMod val="60000"/>
+                          <a:lumOff val="40000"/>
+                        </a:schemeClr>
+                      </a:solidFill>
+                      <a:prstDash val="solid"/>
+                      <a:round/>
+                      <a:headEnd type="none" w="med" len="med"/>
+                      <a:tailEnd type="none" w="med" len="med"/>
+                    </a:lnL>
+                  </a:tcPr>
+                </a:tc>
+                <a:tc>
+                  <a:txBody>
+                    <a:bodyPr/>
+                    <a:lstStyle/>
+                    <a:p>
+                      <a:pPr algn="ctr" fontAlgn="b"/>
+                      <a:r>
+                        <a:rPr lang="es-ES" sz="1100" u="none" strike="noStrike">
+                          <a:effectLst/>
+                        </a:rPr>
+                        <a:t>10</a:t>
+                      </a:r>
+                      <a:endParaRPr lang="es-ES" sz="1100" b="0" i="0" u="none" strike="noStrike">
+                        <a:solidFill>
+                          <a:srgbClr val="000000"/>
+                        </a:solidFill>
+                        <a:effectLst/>
+                        <a:latin typeface="Calibri" panose="020F0502020204030204" pitchFamily="34" charset="0"/>
+                      </a:endParaRPr>
+                    </a:p>
+                  </a:txBody>
+                  <a:tcPr marL="7620" marR="7620" marT="7620" marB="0" anchor="ctr"/>
+                </a:tc>
+                <a:tc>
+                  <a:txBody>
+                    <a:bodyPr/>
+                    <a:lstStyle/>
+                    <a:p>
+                      <a:pPr algn="ctr" fontAlgn="b"/>
+                      <a:r>
+                        <a:rPr lang="es-ES" sz="1100" u="none" strike="noStrike">
+                          <a:effectLst/>
+                        </a:rPr>
+                        <a:t>18</a:t>
+                      </a:r>
+                      <a:endParaRPr lang="es-ES" sz="1100" b="0" i="0" u="none" strike="noStrike">
+                        <a:solidFill>
+                          <a:srgbClr val="000000"/>
+                        </a:solidFill>
+                        <a:effectLst/>
+                        <a:latin typeface="Calibri" panose="020F0502020204030204" pitchFamily="34" charset="0"/>
+                      </a:endParaRPr>
+                    </a:p>
+                  </a:txBody>
+                  <a:tcPr marL="7620" marR="7620" marT="7620" marB="0" anchor="ctr"/>
+                </a:tc>
+                <a:tc>
+                  <a:txBody>
+                    <a:bodyPr/>
+                    <a:lstStyle/>
+                    <a:p>
+                      <a:pPr algn="ctr" fontAlgn="b"/>
+                      <a:r>
+                        <a:rPr lang="es-ES" sz="1100" u="none" strike="noStrike" dirty="0">
+                          <a:effectLst/>
+                        </a:rPr>
+                        <a:t>10</a:t>
+                      </a:r>
+                      <a:endParaRPr lang="es-ES" sz="1100" b="0" i="0" u="none" strike="noStrike" dirty="0">
+                        <a:solidFill>
+                          <a:srgbClr val="000000"/>
+                        </a:solidFill>
+                        <a:effectLst/>
+                        <a:latin typeface="Calibri" panose="020F0502020204030204" pitchFamily="34" charset="0"/>
+                      </a:endParaRPr>
+                    </a:p>
+                  </a:txBody>
+                  <a:tcPr marL="7620" marR="7620" marT="7620" marB="0" anchor="ctr"/>
+                </a:tc>
+                <a:extLst>
+                  <a:ext uri="{0D108BD9-81ED-4DB2-BD59-A6C34878D82A}">
+                    <a16:rowId xmlns:a16="http://schemas.microsoft.com/office/drawing/2014/main" val="1618157004"/>
+                  </a:ext>
+                </a:extLst>
+              </a:tr>
+            </a:tbl>
+          </a:graphicData>
+        </a:graphic>
+      </p:graphicFrame>
     </p:spTree>
     <p:extLst>
       <p:ext uri="{BB962C8B-B14F-4D97-AF65-F5344CB8AC3E}">
@@ -11888,6 +12580,81 @@
   <p:clrMapOvr>
     <a:masterClrMapping/>
   </p:clrMapOvr>
+  <p:timing>
+    <p:tnLst>
+      <p:par>
+        <p:cTn id="1" dur="indefinite" restart="never" nodeType="tmRoot">
+          <p:childTnLst>
+            <p:seq concurrent="1" nextAc="seek">
+              <p:cTn id="2" dur="indefinite" nodeType="mainSeq">
+                <p:childTnLst>
+                  <p:par>
+                    <p:cTn id="3" fill="hold">
+                      <p:stCondLst>
+                        <p:cond delay="indefinite"/>
+                      </p:stCondLst>
+                      <p:childTnLst>
+                        <p:par>
+                          <p:cTn id="4" fill="hold">
+                            <p:stCondLst>
+                              <p:cond delay="0"/>
+                            </p:stCondLst>
+                            <p:childTnLst>
+                              <p:par>
+                                <p:cTn id="5" presetID="1" presetClass="entr" presetSubtype="0" fill="hold" nodeType="clickEffect">
+                                  <p:stCondLst>
+                                    <p:cond delay="0"/>
+                                  </p:stCondLst>
+                                  <p:childTnLst>
+                                    <p:set>
+                                      <p:cBhvr>
+                                        <p:cTn id="6" dur="1" fill="hold">
+                                          <p:stCondLst>
+                                            <p:cond delay="0"/>
+                                          </p:stCondLst>
+                                        </p:cTn>
+                                        <p:tgtEl>
+                                          <p:spTgt spid="2"/>
+                                        </p:tgtEl>
+                                        <p:attrNameLst>
+                                          <p:attrName>style.visibility</p:attrName>
+                                        </p:attrNameLst>
+                                      </p:cBhvr>
+                                      <p:to>
+                                        <p:strVal val="visible"/>
+                                      </p:to>
+                                    </p:set>
+                                  </p:childTnLst>
+                                </p:cTn>
+                              </p:par>
+                            </p:childTnLst>
+                          </p:cTn>
+                        </p:par>
+                      </p:childTnLst>
+                    </p:cTn>
+                  </p:par>
+                </p:childTnLst>
+              </p:cTn>
+              <p:prevCondLst>
+                <p:cond evt="onPrev" delay="0">
+                  <p:tgtEl>
+                    <p:sldTgt/>
+                  </p:tgtEl>
+                </p:cond>
+              </p:prevCondLst>
+              <p:nextCondLst>
+                <p:cond evt="onNext" delay="0">
+                  <p:tgtEl>
+                    <p:sldTgt/>
+                  </p:tgtEl>
+                </p:cond>
+              </p:nextCondLst>
+            </p:seq>
+          </p:childTnLst>
+        </p:cTn>
+      </p:par>
+    </p:tnLst>
+  </p:timing>
 </p:sld>
 </file>
 

--- a/Introduccion curso.pptx
+++ b/Introduccion curso.pptx
@@ -2031,7 +2031,7 @@
   <pc:docChgLst>
     <pc:chgData name="Roberto Tornero Costa" userId="fd94e1aa-1f26-41db-aa9d-b324a7bc3d40" providerId="ADAL" clId="{A411663D-F272-4434-BF6D-849F2045D454}"/>
     <pc:docChg chg="custSel addSld delSld modSld">
-      <pc:chgData name="Roberto Tornero Costa" userId="fd94e1aa-1f26-41db-aa9d-b324a7bc3d40" providerId="ADAL" clId="{A411663D-F272-4434-BF6D-849F2045D454}" dt="2023-02-21T09:26:52.368" v="747"/>
+      <pc:chgData name="Roberto Tornero Costa" userId="fd94e1aa-1f26-41db-aa9d-b324a7bc3d40" providerId="ADAL" clId="{A411663D-F272-4434-BF6D-849F2045D454}" dt="2023-02-21T12:47:24.597" v="749" actId="20577"/>
       <pc:docMkLst>
         <pc:docMk/>
       </pc:docMkLst>
@@ -2138,6 +2138,13 @@
           </ac:picMkLst>
         </pc:picChg>
       </pc:sldChg>
+      <pc:sldChg chg="modNotesTx">
+        <pc:chgData name="Roberto Tornero Costa" userId="fd94e1aa-1f26-41db-aa9d-b324a7bc3d40" providerId="ADAL" clId="{A411663D-F272-4434-BF6D-849F2045D454}" dt="2023-02-21T12:47:24.597" v="749" actId="20577"/>
+        <pc:sldMkLst>
+          <pc:docMk/>
+          <pc:sldMk cId="4036662282" sldId="262"/>
+        </pc:sldMkLst>
+      </pc:sldChg>
       <pc:sldChg chg="modSp mod">
         <pc:chgData name="Roberto Tornero Costa" userId="fd94e1aa-1f26-41db-aa9d-b324a7bc3d40" providerId="ADAL" clId="{A411663D-F272-4434-BF6D-849F2045D454}" dt="2023-02-20T16:27:16.752" v="726" actId="27636"/>
         <pc:sldMkLst>
@@ -2158,6 +2165,13 @@
         <pc:sldMkLst>
           <pc:docMk/>
           <pc:sldMk cId="472371446" sldId="273"/>
+        </pc:sldMkLst>
+      </pc:sldChg>
+      <pc:sldChg chg="modNotesTx">
+        <pc:chgData name="Roberto Tornero Costa" userId="fd94e1aa-1f26-41db-aa9d-b324a7bc3d40" providerId="ADAL" clId="{A411663D-F272-4434-BF6D-849F2045D454}" dt="2023-02-21T10:04:51.955" v="748" actId="20577"/>
+        <pc:sldMkLst>
+          <pc:docMk/>
+          <pc:sldMk cId="600101875" sldId="279"/>
         </pc:sldMkLst>
       </pc:sldChg>
       <pc:sldChg chg="modSp mod">
@@ -2689,116 +2703,12 @@
                 <a:spcPts val="800"/>
               </a:spcAft>
             </a:pPr>
-            <a:r>
-              <a:rPr lang="es-ES" sz="1800" dirty="0" err="1">
-                <a:effectLst/>
-                <a:latin typeface="Calibri" panose="020F0502020204030204" pitchFamily="34" charset="0"/>
-                <a:ea typeface="Calibri" panose="020F0502020204030204" pitchFamily="34" charset="0"/>
-                <a:cs typeface="Times New Roman" panose="02020603050405020304" pitchFamily="18" charset="0"/>
-              </a:rPr>
-              <a:t>PowerBI</a:t>
-            </a:r>
-            <a:r>
-              <a:rPr lang="es-ES" sz="1800" dirty="0">
-                <a:effectLst/>
-                <a:latin typeface="Calibri" panose="020F0502020204030204" pitchFamily="34" charset="0"/>
-                <a:ea typeface="Calibri" panose="020F0502020204030204" pitchFamily="34" charset="0"/>
-                <a:cs typeface="Times New Roman" panose="02020603050405020304" pitchFamily="18" charset="0"/>
-              </a:rPr>
-              <a:t> es muy utilizada para lo que se conoce como Business </a:t>
-            </a:r>
-            <a:r>
-              <a:rPr lang="es-ES" sz="1800" dirty="0" err="1">
-                <a:effectLst/>
-                <a:latin typeface="Calibri" panose="020F0502020204030204" pitchFamily="34" charset="0"/>
-                <a:ea typeface="Calibri" panose="020F0502020204030204" pitchFamily="34" charset="0"/>
-                <a:cs typeface="Times New Roman" panose="02020603050405020304" pitchFamily="18" charset="0"/>
-              </a:rPr>
-              <a:t>Intelligence</a:t>
-            </a:r>
-            <a:r>
-              <a:rPr lang="es-ES" sz="1800" dirty="0">
-                <a:effectLst/>
-                <a:latin typeface="Calibri" panose="020F0502020204030204" pitchFamily="34" charset="0"/>
-                <a:ea typeface="Calibri" panose="020F0502020204030204" pitchFamily="34" charset="0"/>
-                <a:cs typeface="Times New Roman" panose="02020603050405020304" pitchFamily="18" charset="0"/>
-              </a:rPr>
-              <a:t> </a:t>
-            </a:r>
-            <a:r>
-              <a:rPr lang="es-ES" sz="1800" dirty="0" err="1">
-                <a:effectLst/>
-                <a:latin typeface="Calibri" panose="020F0502020204030204" pitchFamily="34" charset="0"/>
-                <a:ea typeface="Calibri" panose="020F0502020204030204" pitchFamily="34" charset="0"/>
-                <a:cs typeface="Times New Roman" panose="02020603050405020304" pitchFamily="18" charset="0"/>
-              </a:rPr>
-              <a:t>analysis</a:t>
-            </a:r>
-            <a:r>
-              <a:rPr lang="es-ES" sz="1800" dirty="0">
-                <a:effectLst/>
-                <a:latin typeface="Calibri" panose="020F0502020204030204" pitchFamily="34" charset="0"/>
-                <a:ea typeface="Calibri" panose="020F0502020204030204" pitchFamily="34" charset="0"/>
-                <a:cs typeface="Times New Roman" panose="02020603050405020304" pitchFamily="18" charset="0"/>
-              </a:rPr>
-              <a:t>.</a:t>
-            </a:r>
-          </a:p>
-          <a:p>
-            <a:pPr algn="just">
-              <a:lnSpc>
-                <a:spcPct val="107000"/>
-              </a:lnSpc>
-              <a:spcAft>
-                <a:spcPts val="800"/>
-              </a:spcAft>
-            </a:pPr>
-            <a:r>
-              <a:rPr lang="es-ES" sz="1800" dirty="0">
-                <a:effectLst/>
-                <a:latin typeface="Calibri" panose="020F0502020204030204" pitchFamily="34" charset="0"/>
-                <a:ea typeface="Calibri" panose="020F0502020204030204" pitchFamily="34" charset="0"/>
-                <a:cs typeface="Times New Roman" panose="02020603050405020304" pitchFamily="18" charset="0"/>
-              </a:rPr>
-              <a:t>El principal objetivo es facilitar el flujo de información para mejorar la toma de decisiones en la empresa.</a:t>
-            </a:r>
-          </a:p>
-          <a:p>
-            <a:pPr algn="just">
-              <a:lnSpc>
-                <a:spcPct val="107000"/>
-              </a:lnSpc>
-              <a:spcAft>
-                <a:spcPts val="800"/>
-              </a:spcAft>
-            </a:pPr>
-            <a:r>
-              <a:rPr lang="es-ES" sz="1800" dirty="0">
-                <a:effectLst/>
-                <a:latin typeface="Calibri" panose="020F0502020204030204" pitchFamily="34" charset="0"/>
-                <a:ea typeface="Calibri" panose="020F0502020204030204" pitchFamily="34" charset="0"/>
-                <a:cs typeface="Times New Roman" panose="02020603050405020304" pitchFamily="18" charset="0"/>
-              </a:rPr>
-              <a:t>Es </a:t>
-            </a:r>
-            <a:r>
-              <a:rPr lang="es-ES" sz="1800" dirty="0" err="1">
-                <a:effectLst/>
-                <a:latin typeface="Calibri" panose="020F0502020204030204" pitchFamily="34" charset="0"/>
-                <a:ea typeface="Calibri" panose="020F0502020204030204" pitchFamily="34" charset="0"/>
-                <a:cs typeface="Times New Roman" panose="02020603050405020304" pitchFamily="18" charset="0"/>
-              </a:rPr>
-              <a:t>múy</a:t>
-            </a:r>
-            <a:r>
-              <a:rPr lang="es-ES" sz="1800" dirty="0">
-                <a:effectLst/>
-                <a:latin typeface="Calibri" panose="020F0502020204030204" pitchFamily="34" charset="0"/>
-                <a:ea typeface="Calibri" panose="020F0502020204030204" pitchFamily="34" charset="0"/>
-                <a:cs typeface="Times New Roman" panose="02020603050405020304" pitchFamily="18" charset="0"/>
-              </a:rPr>
-              <a:t> útil para representar información de forma clara con modelos automáticos que se pueden actualizar con nuevos datos periódicamente y con una interfaz clara.</a:t>
-            </a:r>
+            <a:endParaRPr lang="es-ES" sz="1800" dirty="0">
+              <a:effectLst/>
+              <a:latin typeface="Calibri" panose="020F0502020204030204" pitchFamily="34" charset="0"/>
+              <a:ea typeface="Calibri" panose="020F0502020204030204" pitchFamily="34" charset="0"/>
+              <a:cs typeface="Times New Roman" panose="02020603050405020304" pitchFamily="18" charset="0"/>
+            </a:endParaRPr>
           </a:p>
           <a:p>
             <a:endParaRPr lang="es-ES" dirty="0"/>
@@ -4051,19 +3961,7 @@
           <a:bodyPr/>
           <a:lstStyle/>
           <a:p>
-            <a:r>
-              <a:rPr lang="es-ES" dirty="0"/>
-              <a:t>Ahora voy a ponerme un pelín más técnico, sin hacerlo muy difícil. Vamos a ver como trabajar con los datos según su naturaleza. </a:t>
-            </a:r>
-          </a:p>
-          <a:p>
             <a:endParaRPr lang="es-ES" dirty="0"/>
-          </a:p>
-          <a:p>
-            <a:r>
-              <a:rPr lang="es-ES" dirty="0"/>
-              <a:t>Se dice que los datos son cuantitativos si tienen valores numéricos</a:t>
-            </a:r>
           </a:p>
           <a:p>
             <a:endParaRPr lang="es-ES" dirty="0"/>
